--- a/w07/W07.pptx
+++ b/w07/W07.pptx
@@ -11,6 +11,9 @@
     <p:sldId id="281" r:id="rId5"/>
     <p:sldId id="280" r:id="rId6"/>
     <p:sldId id="285" r:id="rId7"/>
+    <p:sldId id="286" r:id="rId8"/>
+    <p:sldId id="287" r:id="rId9"/>
+    <p:sldId id="288" r:id="rId10"/>
   </p:sldIdLst>
   <p:sldSz cx="9144000" cy="6858000" type="screen4x3"/>
   <p:notesSz cx="6888163" cy="10020300"/>
@@ -403,7 +406,7 @@
           <a:p>
             <a:fld id="{5BBEAD13-0566-4C6C-97E7-55F17F24B09F}" type="datetimeFigureOut">
               <a:rPr lang="zh-TW" altLang="en-US" smtClean="0"/>
-              <a:t>2022/3/28</a:t>
+              <a:t>2022/4/14</a:t>
             </a:fld>
             <a:endParaRPr lang="zh-TW" altLang="en-US"/>
           </a:p>
@@ -594,7 +597,7 @@
           <a:p>
             <a:fld id="{5BBEAD13-0566-4C6C-97E7-55F17F24B09F}" type="datetimeFigureOut">
               <a:rPr lang="zh-TW" altLang="en-US" smtClean="0"/>
-              <a:t>2022/3/28</a:t>
+              <a:t>2022/4/14</a:t>
             </a:fld>
             <a:endParaRPr lang="zh-TW" altLang="en-US"/>
           </a:p>
@@ -779,7 +782,7 @@
           <a:p>
             <a:fld id="{5BBEAD13-0566-4C6C-97E7-55F17F24B09F}" type="datetimeFigureOut">
               <a:rPr lang="zh-TW" altLang="en-US" smtClean="0"/>
-              <a:t>2022/3/28</a:t>
+              <a:t>2022/4/14</a:t>
             </a:fld>
             <a:endParaRPr lang="zh-TW" altLang="en-US"/>
           </a:p>
@@ -1042,7 +1045,7 @@
           <a:p>
             <a:fld id="{5BBEAD13-0566-4C6C-97E7-55F17F24B09F}" type="datetimeFigureOut">
               <a:rPr lang="zh-TW" altLang="en-US" smtClean="0"/>
-              <a:t>2022/3/28</a:t>
+              <a:t>2022/4/14</a:t>
             </a:fld>
             <a:endParaRPr lang="zh-TW" altLang="en-US"/>
           </a:p>
@@ -1458,7 +1461,7 @@
           <a:p>
             <a:fld id="{5BBEAD13-0566-4C6C-97E7-55F17F24B09F}" type="datetimeFigureOut">
               <a:rPr lang="zh-TW" altLang="en-US" smtClean="0"/>
-              <a:t>2022/3/28</a:t>
+              <a:t>2022/4/14</a:t>
             </a:fld>
             <a:endParaRPr lang="zh-TW" altLang="en-US"/>
           </a:p>
@@ -1700,7 +1703,7 @@
           <a:p>
             <a:fld id="{5BBEAD13-0566-4C6C-97E7-55F17F24B09F}" type="datetimeFigureOut">
               <a:rPr lang="zh-TW" altLang="en-US" smtClean="0"/>
-              <a:t>2022/3/28</a:t>
+              <a:t>2022/4/14</a:t>
             </a:fld>
             <a:endParaRPr lang="zh-TW" altLang="en-US"/>
           </a:p>
@@ -1936,7 +1939,7 @@
           <a:p>
             <a:fld id="{5BBEAD13-0566-4C6C-97E7-55F17F24B09F}" type="datetimeFigureOut">
               <a:rPr lang="zh-TW" altLang="en-US" smtClean="0"/>
-              <a:t>2022/3/28</a:t>
+              <a:t>2022/4/14</a:t>
             </a:fld>
             <a:endParaRPr lang="zh-TW" altLang="en-US"/>
           </a:p>
@@ -2131,7 +2134,7 @@
           <a:p>
             <a:fld id="{5BBEAD13-0566-4C6C-97E7-55F17F24B09F}" type="datetimeFigureOut">
               <a:rPr lang="zh-TW" altLang="en-US" smtClean="0"/>
-              <a:t>2022/3/28</a:t>
+              <a:t>2022/4/14</a:t>
             </a:fld>
             <a:endParaRPr lang="zh-TW" altLang="en-US"/>
           </a:p>
@@ -2229,7 +2232,7 @@
           <a:p>
             <a:fld id="{5BBEAD13-0566-4C6C-97E7-55F17F24B09F}" type="datetimeFigureOut">
               <a:rPr lang="zh-TW" altLang="en-US" smtClean="0"/>
-              <a:t>2022/3/28</a:t>
+              <a:t>2022/4/14</a:t>
             </a:fld>
             <a:endParaRPr lang="zh-TW" altLang="en-US"/>
           </a:p>
@@ -2365,7 +2368,7 @@
           <a:p>
             <a:fld id="{5BBEAD13-0566-4C6C-97E7-55F17F24B09F}" type="datetimeFigureOut">
               <a:rPr lang="zh-TW" altLang="en-US" smtClean="0"/>
-              <a:t>2022/3/28</a:t>
+              <a:t>2022/4/14</a:t>
             </a:fld>
             <a:endParaRPr lang="zh-TW" altLang="en-US"/>
           </a:p>
@@ -2883,7 +2886,7 @@
           <a:p>
             <a:fld id="{5BBEAD13-0566-4C6C-97E7-55F17F24B09F}" type="datetimeFigureOut">
               <a:rPr lang="zh-TW" altLang="en-US" smtClean="0"/>
-              <a:t>2022/3/28</a:t>
+              <a:t>2022/4/14</a:t>
             </a:fld>
             <a:endParaRPr lang="zh-TW" altLang="en-US"/>
           </a:p>
@@ -3144,7 +3147,7 @@
           <a:p>
             <a:fld id="{5BBEAD13-0566-4C6C-97E7-55F17F24B09F}" type="datetimeFigureOut">
               <a:rPr lang="zh-TW" altLang="en-US" smtClean="0"/>
-              <a:t>2022/3/28</a:t>
+              <a:t>2022/4/14</a:t>
             </a:fld>
             <a:endParaRPr lang="zh-TW" altLang="en-US"/>
           </a:p>
@@ -4407,11 +4410,7 @@
             </a:r>
             <a:r>
               <a:rPr lang="zh-TW" altLang="en-US" dirty="0" smtClean="0"/>
-              <a:t>計算經過</a:t>
-            </a:r>
-            <a:r>
-              <a:rPr lang="zh-TW" altLang="en-US" dirty="0" smtClean="0"/>
-              <a:t>時間</a:t>
+              <a:t>計算經過時間</a:t>
             </a:r>
             <a:r>
               <a:rPr lang="en-US" altLang="zh-TW" dirty="0" smtClean="0"/>
@@ -4698,6 +4697,411 @@
     <p:extLst>
       <p:ext uri="{BB962C8B-B14F-4D97-AF65-F5344CB8AC3E}">
         <p14:creationId xmlns:p14="http://schemas.microsoft.com/office/powerpoint/2010/main" val="498899295"/>
+      </p:ext>
+    </p:extLst>
+  </p:cSld>
+  <p:clrMapOvr>
+    <a:masterClrMapping/>
+  </p:clrMapOvr>
+</p:sld>
+</file>
+
+<file path=ppt/slides/slide7.xml><?xml version="1.0" encoding="utf-8"?>
+<p:sld xmlns:a="http://schemas.openxmlformats.org/drawingml/2006/main" xmlns:r="http://schemas.openxmlformats.org/officeDocument/2006/relationships" xmlns:p="http://schemas.openxmlformats.org/presentationml/2006/main">
+  <p:cSld>
+    <p:spTree>
+      <p:nvGrpSpPr>
+        <p:cNvPr id="1" name=""/>
+        <p:cNvGrpSpPr/>
+        <p:nvPr/>
+      </p:nvGrpSpPr>
+      <p:grpSpPr>
+        <a:xfrm>
+          <a:off x="0" y="0"/>
+          <a:ext cx="0" cy="0"/>
+          <a:chOff x="0" y="0"/>
+          <a:chExt cx="0" cy="0"/>
+        </a:xfrm>
+      </p:grpSpPr>
+      <p:sp>
+        <p:nvSpPr>
+          <p:cNvPr id="2" name="標題 1"/>
+          <p:cNvSpPr>
+            <a:spLocks noGrp="1"/>
+          </p:cNvSpPr>
+          <p:nvPr>
+            <p:ph type="title"/>
+          </p:nvPr>
+        </p:nvSpPr>
+        <p:spPr/>
+        <p:txBody>
+          <a:bodyPr/>
+          <a:lstStyle/>
+          <a:p>
+            <a:r>
+              <a:rPr lang="zh-TW" altLang="en-US" dirty="0"/>
+              <a:t>練習題的解答</a:t>
+            </a:r>
+          </a:p>
+        </p:txBody>
+      </p:sp>
+      <p:sp>
+        <p:nvSpPr>
+          <p:cNvPr id="3" name="內容版面配置區 2"/>
+          <p:cNvSpPr>
+            <a:spLocks noGrp="1"/>
+          </p:cNvSpPr>
+          <p:nvPr>
+            <p:ph sz="quarter" idx="1"/>
+          </p:nvPr>
+        </p:nvSpPr>
+        <p:spPr/>
+        <p:txBody>
+          <a:bodyPr/>
+          <a:lstStyle/>
+          <a:p>
+            <a:endParaRPr lang="zh-TW" altLang="en-US"/>
+          </a:p>
+        </p:txBody>
+      </p:sp>
+      <p:pic>
+        <p:nvPicPr>
+          <p:cNvPr id="1026" name="Picture 2"/>
+          <p:cNvPicPr>
+            <a:picLocks noChangeAspect="1" noChangeArrowheads="1"/>
+          </p:cNvPicPr>
+          <p:nvPr/>
+        </p:nvPicPr>
+        <p:blipFill>
+          <a:blip r:embed="rId2">
+            <a:extLst>
+              <a:ext uri="{28A0092B-C50C-407E-A947-70E740481C1C}">
+                <a14:useLocalDpi xmlns:a14="http://schemas.microsoft.com/office/drawing/2010/main" val="0"/>
+              </a:ext>
+            </a:extLst>
+          </a:blip>
+          <a:srcRect/>
+          <a:stretch>
+            <a:fillRect/>
+          </a:stretch>
+        </p:blipFill>
+        <p:spPr bwMode="auto">
+          <a:xfrm>
+            <a:off x="755576" y="2276872"/>
+            <a:ext cx="6865937" cy="3638550"/>
+          </a:xfrm>
+          <a:prstGeom prst="rect">
+            <a:avLst/>
+          </a:prstGeom>
+          <a:noFill/>
+          <a:ln>
+            <a:noFill/>
+          </a:ln>
+          <a:effectLst/>
+          <a:extLst>
+            <a:ext uri="{909E8E84-426E-40DD-AFC4-6F175D3DCCD1}">
+              <a14:hiddenFill xmlns:a14="http://schemas.microsoft.com/office/drawing/2010/main">
+                <a:solidFill>
+                  <a:schemeClr val="accent1"/>
+                </a:solidFill>
+              </a14:hiddenFill>
+            </a:ext>
+            <a:ext uri="{91240B29-F687-4F45-9708-019B960494DF}">
+              <a14:hiddenLine xmlns:a14="http://schemas.microsoft.com/office/drawing/2010/main" w="9525">
+                <a:solidFill>
+                  <a:schemeClr val="tx1"/>
+                </a:solidFill>
+                <a:miter lim="800000"/>
+                <a:headEnd/>
+                <a:tailEnd/>
+              </a14:hiddenLine>
+            </a:ext>
+            <a:ext uri="{AF507438-7753-43E0-B8FC-AC1667EBCBE1}">
+              <a14:hiddenEffects xmlns:a14="http://schemas.microsoft.com/office/drawing/2010/main">
+                <a:effectLst>
+                  <a:outerShdw dist="35921" dir="2700000" algn="ctr" rotWithShape="0">
+                    <a:schemeClr val="bg2"/>
+                  </a:outerShdw>
+                </a:effectLst>
+              </a14:hiddenEffects>
+            </a:ext>
+          </a:extLst>
+        </p:spPr>
+      </p:pic>
+    </p:spTree>
+    <p:extLst>
+      <p:ext uri="{BB962C8B-B14F-4D97-AF65-F5344CB8AC3E}">
+        <p14:creationId xmlns:p14="http://schemas.microsoft.com/office/powerpoint/2010/main" val="658028596"/>
+      </p:ext>
+    </p:extLst>
+  </p:cSld>
+  <p:clrMapOvr>
+    <a:masterClrMapping/>
+  </p:clrMapOvr>
+</p:sld>
+</file>
+
+<file path=ppt/slides/slide8.xml><?xml version="1.0" encoding="utf-8"?>
+<p:sld xmlns:a="http://schemas.openxmlformats.org/drawingml/2006/main" xmlns:r="http://schemas.openxmlformats.org/officeDocument/2006/relationships" xmlns:p="http://schemas.openxmlformats.org/presentationml/2006/main">
+  <p:cSld>
+    <p:spTree>
+      <p:nvGrpSpPr>
+        <p:cNvPr id="1" name=""/>
+        <p:cNvGrpSpPr/>
+        <p:nvPr/>
+      </p:nvGrpSpPr>
+      <p:grpSpPr>
+        <a:xfrm>
+          <a:off x="0" y="0"/>
+          <a:ext cx="0" cy="0"/>
+          <a:chOff x="0" y="0"/>
+          <a:chExt cx="0" cy="0"/>
+        </a:xfrm>
+      </p:grpSpPr>
+      <p:sp>
+        <p:nvSpPr>
+          <p:cNvPr id="2" name="標題 1"/>
+          <p:cNvSpPr>
+            <a:spLocks noGrp="1"/>
+          </p:cNvSpPr>
+          <p:nvPr>
+            <p:ph type="title"/>
+          </p:nvPr>
+        </p:nvSpPr>
+        <p:spPr/>
+        <p:txBody>
+          <a:bodyPr/>
+          <a:lstStyle/>
+          <a:p>
+            <a:r>
+              <a:rPr lang="zh-TW" altLang="en-US" dirty="0"/>
+              <a:t>練習題的解答</a:t>
+            </a:r>
+          </a:p>
+        </p:txBody>
+      </p:sp>
+      <p:sp>
+        <p:nvSpPr>
+          <p:cNvPr id="3" name="內容版面配置區 2"/>
+          <p:cNvSpPr>
+            <a:spLocks noGrp="1"/>
+          </p:cNvSpPr>
+          <p:nvPr>
+            <p:ph sz="quarter" idx="1"/>
+          </p:nvPr>
+        </p:nvSpPr>
+        <p:spPr/>
+        <p:txBody>
+          <a:bodyPr/>
+          <a:lstStyle/>
+          <a:p>
+            <a:endParaRPr lang="zh-TW" altLang="en-US"/>
+          </a:p>
+        </p:txBody>
+      </p:sp>
+      <p:pic>
+        <p:nvPicPr>
+          <p:cNvPr id="2050" name="Picture 2"/>
+          <p:cNvPicPr>
+            <a:picLocks noChangeAspect="1" noChangeArrowheads="1"/>
+          </p:cNvPicPr>
+          <p:nvPr/>
+        </p:nvPicPr>
+        <p:blipFill>
+          <a:blip r:embed="rId2">
+            <a:extLst>
+              <a:ext uri="{28A0092B-C50C-407E-A947-70E740481C1C}">
+                <a14:useLocalDpi xmlns:a14="http://schemas.microsoft.com/office/drawing/2010/main" val="0"/>
+              </a:ext>
+            </a:extLst>
+          </a:blip>
+          <a:srcRect/>
+          <a:stretch>
+            <a:fillRect/>
+          </a:stretch>
+        </p:blipFill>
+        <p:spPr bwMode="auto">
+          <a:xfrm>
+            <a:off x="617240" y="1687438"/>
+            <a:ext cx="7885113" cy="5162550"/>
+          </a:xfrm>
+          <a:prstGeom prst="rect">
+            <a:avLst/>
+          </a:prstGeom>
+          <a:noFill/>
+          <a:ln>
+            <a:noFill/>
+          </a:ln>
+          <a:effectLst/>
+          <a:extLst>
+            <a:ext uri="{909E8E84-426E-40DD-AFC4-6F175D3DCCD1}">
+              <a14:hiddenFill xmlns:a14="http://schemas.microsoft.com/office/drawing/2010/main">
+                <a:solidFill>
+                  <a:schemeClr val="accent1"/>
+                </a:solidFill>
+              </a14:hiddenFill>
+            </a:ext>
+            <a:ext uri="{91240B29-F687-4F45-9708-019B960494DF}">
+              <a14:hiddenLine xmlns:a14="http://schemas.microsoft.com/office/drawing/2010/main" w="9525">
+                <a:solidFill>
+                  <a:schemeClr val="tx1"/>
+                </a:solidFill>
+                <a:miter lim="800000"/>
+                <a:headEnd/>
+                <a:tailEnd/>
+              </a14:hiddenLine>
+            </a:ext>
+            <a:ext uri="{AF507438-7753-43E0-B8FC-AC1667EBCBE1}">
+              <a14:hiddenEffects xmlns:a14="http://schemas.microsoft.com/office/drawing/2010/main">
+                <a:effectLst>
+                  <a:outerShdw dist="35921" dir="2700000" algn="ctr" rotWithShape="0">
+                    <a:schemeClr val="bg2"/>
+                  </a:outerShdw>
+                </a:effectLst>
+              </a14:hiddenEffects>
+            </a:ext>
+          </a:extLst>
+        </p:spPr>
+      </p:pic>
+    </p:spTree>
+    <p:extLst>
+      <p:ext uri="{BB962C8B-B14F-4D97-AF65-F5344CB8AC3E}">
+        <p14:creationId xmlns:p14="http://schemas.microsoft.com/office/powerpoint/2010/main" val="3403109893"/>
+      </p:ext>
+    </p:extLst>
+  </p:cSld>
+  <p:clrMapOvr>
+    <a:masterClrMapping/>
+  </p:clrMapOvr>
+</p:sld>
+</file>
+
+<file path=ppt/slides/slide9.xml><?xml version="1.0" encoding="utf-8"?>
+<p:sld xmlns:a="http://schemas.openxmlformats.org/drawingml/2006/main" xmlns:r="http://schemas.openxmlformats.org/officeDocument/2006/relationships" xmlns:p="http://schemas.openxmlformats.org/presentationml/2006/main">
+  <p:cSld>
+    <p:spTree>
+      <p:nvGrpSpPr>
+        <p:cNvPr id="1" name=""/>
+        <p:cNvGrpSpPr/>
+        <p:nvPr/>
+      </p:nvGrpSpPr>
+      <p:grpSpPr>
+        <a:xfrm>
+          <a:off x="0" y="0"/>
+          <a:ext cx="0" cy="0"/>
+          <a:chOff x="0" y="0"/>
+          <a:chExt cx="0" cy="0"/>
+        </a:xfrm>
+      </p:grpSpPr>
+      <p:sp>
+        <p:nvSpPr>
+          <p:cNvPr id="2" name="標題 1"/>
+          <p:cNvSpPr>
+            <a:spLocks noGrp="1"/>
+          </p:cNvSpPr>
+          <p:nvPr>
+            <p:ph type="title"/>
+          </p:nvPr>
+        </p:nvSpPr>
+        <p:spPr/>
+        <p:txBody>
+          <a:bodyPr/>
+          <a:lstStyle/>
+          <a:p>
+            <a:r>
+              <a:rPr lang="zh-TW" altLang="en-US" dirty="0"/>
+              <a:t>練習題的解答</a:t>
+            </a:r>
+          </a:p>
+        </p:txBody>
+      </p:sp>
+      <p:sp>
+        <p:nvSpPr>
+          <p:cNvPr id="3" name="內容版面配置區 2"/>
+          <p:cNvSpPr>
+            <a:spLocks noGrp="1"/>
+          </p:cNvSpPr>
+          <p:nvPr>
+            <p:ph sz="quarter" idx="1"/>
+          </p:nvPr>
+        </p:nvSpPr>
+        <p:spPr/>
+        <p:txBody>
+          <a:bodyPr/>
+          <a:lstStyle/>
+          <a:p>
+            <a:endParaRPr lang="zh-TW" altLang="en-US"/>
+          </a:p>
+        </p:txBody>
+      </p:sp>
+      <p:pic>
+        <p:nvPicPr>
+          <p:cNvPr id="3074" name="Picture 2"/>
+          <p:cNvPicPr>
+            <a:picLocks noChangeAspect="1" noChangeArrowheads="1"/>
+          </p:cNvPicPr>
+          <p:nvPr/>
+        </p:nvPicPr>
+        <p:blipFill>
+          <a:blip r:embed="rId2">
+            <a:extLst>
+              <a:ext uri="{28A0092B-C50C-407E-A947-70E740481C1C}">
+                <a14:useLocalDpi xmlns:a14="http://schemas.microsoft.com/office/drawing/2010/main" val="0"/>
+              </a:ext>
+            </a:extLst>
+          </a:blip>
+          <a:srcRect/>
+          <a:stretch>
+            <a:fillRect/>
+          </a:stretch>
+        </p:blipFill>
+        <p:spPr bwMode="auto">
+          <a:xfrm>
+            <a:off x="1127026" y="2348880"/>
+            <a:ext cx="6884987" cy="3028950"/>
+          </a:xfrm>
+          <a:prstGeom prst="rect">
+            <a:avLst/>
+          </a:prstGeom>
+          <a:noFill/>
+          <a:ln>
+            <a:noFill/>
+          </a:ln>
+          <a:effectLst/>
+          <a:extLst>
+            <a:ext uri="{909E8E84-426E-40DD-AFC4-6F175D3DCCD1}">
+              <a14:hiddenFill xmlns:a14="http://schemas.microsoft.com/office/drawing/2010/main">
+                <a:solidFill>
+                  <a:schemeClr val="accent1"/>
+                </a:solidFill>
+              </a14:hiddenFill>
+            </a:ext>
+            <a:ext uri="{91240B29-F687-4F45-9708-019B960494DF}">
+              <a14:hiddenLine xmlns:a14="http://schemas.microsoft.com/office/drawing/2010/main" w="9525">
+                <a:solidFill>
+                  <a:schemeClr val="tx1"/>
+                </a:solidFill>
+                <a:miter lim="800000"/>
+                <a:headEnd/>
+                <a:tailEnd/>
+              </a14:hiddenLine>
+            </a:ext>
+            <a:ext uri="{AF507438-7753-43E0-B8FC-AC1667EBCBE1}">
+              <a14:hiddenEffects xmlns:a14="http://schemas.microsoft.com/office/drawing/2010/main">
+                <a:effectLst>
+                  <a:outerShdw dist="35921" dir="2700000" algn="ctr" rotWithShape="0">
+                    <a:schemeClr val="bg2"/>
+                  </a:outerShdw>
+                </a:effectLst>
+              </a14:hiddenEffects>
+            </a:ext>
+          </a:extLst>
+        </p:spPr>
+      </p:pic>
+    </p:spTree>
+    <p:extLst>
+      <p:ext uri="{BB962C8B-B14F-4D97-AF65-F5344CB8AC3E}">
+        <p14:creationId xmlns:p14="http://schemas.microsoft.com/office/powerpoint/2010/main" val="32989411"/>
       </p:ext>
     </p:extLst>
   </p:cSld>
